--- a/경우의 수 임용고시 2002.pptx
+++ b/경우의 수 임용고시 2002.pptx
@@ -8,28 +8,27 @@
     <p:sldId id="256" r:id="rId2"/>
     <p:sldId id="259" r:id="rId3"/>
     <p:sldId id="257" r:id="rId4"/>
-    <p:sldId id="290" r:id="rId5"/>
-    <p:sldId id="273" r:id="rId6"/>
-    <p:sldId id="286" r:id="rId7"/>
-    <p:sldId id="275" r:id="rId8"/>
-    <p:sldId id="274" r:id="rId9"/>
-    <p:sldId id="267" r:id="rId10"/>
-    <p:sldId id="276" r:id="rId11"/>
-    <p:sldId id="277" r:id="rId12"/>
-    <p:sldId id="278" r:id="rId13"/>
-    <p:sldId id="279" r:id="rId14"/>
-    <p:sldId id="271" r:id="rId15"/>
-    <p:sldId id="280" r:id="rId16"/>
-    <p:sldId id="281" r:id="rId17"/>
-    <p:sldId id="282" r:id="rId18"/>
-    <p:sldId id="283" r:id="rId19"/>
-    <p:sldId id="272" r:id="rId20"/>
-    <p:sldId id="284" r:id="rId21"/>
-    <p:sldId id="285" r:id="rId22"/>
-    <p:sldId id="287" r:id="rId23"/>
-    <p:sldId id="291" r:id="rId24"/>
-    <p:sldId id="288" r:id="rId25"/>
-    <p:sldId id="289" r:id="rId26"/>
+    <p:sldId id="273" r:id="rId5"/>
+    <p:sldId id="286" r:id="rId6"/>
+    <p:sldId id="275" r:id="rId7"/>
+    <p:sldId id="274" r:id="rId8"/>
+    <p:sldId id="267" r:id="rId9"/>
+    <p:sldId id="276" r:id="rId10"/>
+    <p:sldId id="277" r:id="rId11"/>
+    <p:sldId id="278" r:id="rId12"/>
+    <p:sldId id="279" r:id="rId13"/>
+    <p:sldId id="271" r:id="rId14"/>
+    <p:sldId id="280" r:id="rId15"/>
+    <p:sldId id="281" r:id="rId16"/>
+    <p:sldId id="282" r:id="rId17"/>
+    <p:sldId id="283" r:id="rId18"/>
+    <p:sldId id="272" r:id="rId19"/>
+    <p:sldId id="284" r:id="rId20"/>
+    <p:sldId id="285" r:id="rId21"/>
+    <p:sldId id="287" r:id="rId22"/>
+    <p:sldId id="291" r:id="rId23"/>
+    <p:sldId id="288" r:id="rId24"/>
+    <p:sldId id="289" r:id="rId25"/>
   </p:sldIdLst>
   <p:sldSz cx="12192000" cy="6858000"/>
   <p:notesSz cx="6858000" cy="9144000"/>
@@ -178,10 +177,9 @@
           </a:lstStyle>
           <a:p>
             <a:r>
-              <a:rPr lang="en-US" smtClean="0"/>
+              <a:rPr lang="en-US"/>
               <a:t>Click to edit Master title style</a:t>
             </a:r>
-            <a:endParaRPr lang="en-US"/>
           </a:p>
         </p:txBody>
       </p:sp>
@@ -243,10 +241,9 @@
           </a:lstStyle>
           <a:p>
             <a:r>
-              <a:rPr lang="en-US" smtClean="0"/>
+              <a:rPr lang="en-US"/>
               <a:t>Click to edit Master subtitle style</a:t>
             </a:r>
-            <a:endParaRPr lang="en-US"/>
           </a:p>
         </p:txBody>
       </p:sp>
@@ -267,7 +264,7 @@
           <a:p>
             <a:fld id="{5B3AD1D6-AE87-C841-B3FD-7C9F7FCAE5AE}" type="datetimeFigureOut">
               <a:rPr lang="en-US" smtClean="0"/>
-              <a:t>12/16/19</a:t>
+              <a:t>12/20/19</a:t>
             </a:fld>
             <a:endParaRPr lang="en-US"/>
           </a:p>
@@ -361,10 +358,9 @@
           <a:lstStyle/>
           <a:p>
             <a:r>
-              <a:rPr lang="en-US" smtClean="0"/>
+              <a:rPr lang="en-US"/>
               <a:t>Click to edit Master title style</a:t>
             </a:r>
-            <a:endParaRPr lang="en-US"/>
           </a:p>
         </p:txBody>
       </p:sp>
@@ -385,38 +381,37 @@
           <a:p>
             <a:pPr lvl="0"/>
             <a:r>
-              <a:rPr lang="en-US" smtClean="0"/>
+              <a:rPr lang="en-US"/>
               <a:t>Click to edit Master text styles</a:t>
             </a:r>
           </a:p>
           <a:p>
             <a:pPr lvl="1"/>
             <a:r>
-              <a:rPr lang="en-US" smtClean="0"/>
+              <a:rPr lang="en-US"/>
               <a:t>Second level</a:t>
             </a:r>
           </a:p>
           <a:p>
             <a:pPr lvl="2"/>
             <a:r>
-              <a:rPr lang="en-US" smtClean="0"/>
+              <a:rPr lang="en-US"/>
               <a:t>Third level</a:t>
             </a:r>
           </a:p>
           <a:p>
             <a:pPr lvl="3"/>
             <a:r>
-              <a:rPr lang="en-US" smtClean="0"/>
+              <a:rPr lang="en-US"/>
               <a:t>Fourth level</a:t>
             </a:r>
           </a:p>
           <a:p>
             <a:pPr lvl="4"/>
             <a:r>
-              <a:rPr lang="en-US" smtClean="0"/>
+              <a:rPr lang="en-US"/>
               <a:t>Fifth level</a:t>
             </a:r>
-            <a:endParaRPr lang="en-US"/>
           </a:p>
         </p:txBody>
       </p:sp>
@@ -437,7 +432,7 @@
           <a:p>
             <a:fld id="{5B3AD1D6-AE87-C841-B3FD-7C9F7FCAE5AE}" type="datetimeFigureOut">
               <a:rPr lang="en-US" smtClean="0"/>
-              <a:t>12/16/19</a:t>
+              <a:t>12/20/19</a:t>
             </a:fld>
             <a:endParaRPr lang="en-US"/>
           </a:p>
@@ -536,10 +531,9 @@
           <a:lstStyle/>
           <a:p>
             <a:r>
-              <a:rPr lang="en-US" smtClean="0"/>
+              <a:rPr lang="en-US"/>
               <a:t>Click to edit Master title style</a:t>
             </a:r>
-            <a:endParaRPr lang="en-US"/>
           </a:p>
         </p:txBody>
       </p:sp>
@@ -565,38 +559,37 @@
           <a:p>
             <a:pPr lvl="0"/>
             <a:r>
-              <a:rPr lang="en-US" smtClean="0"/>
+              <a:rPr lang="en-US"/>
               <a:t>Click to edit Master text styles</a:t>
             </a:r>
           </a:p>
           <a:p>
             <a:pPr lvl="1"/>
             <a:r>
-              <a:rPr lang="en-US" smtClean="0"/>
+              <a:rPr lang="en-US"/>
               <a:t>Second level</a:t>
             </a:r>
           </a:p>
           <a:p>
             <a:pPr lvl="2"/>
             <a:r>
-              <a:rPr lang="en-US" smtClean="0"/>
+              <a:rPr lang="en-US"/>
               <a:t>Third level</a:t>
             </a:r>
           </a:p>
           <a:p>
             <a:pPr lvl="3"/>
             <a:r>
-              <a:rPr lang="en-US" smtClean="0"/>
+              <a:rPr lang="en-US"/>
               <a:t>Fourth level</a:t>
             </a:r>
           </a:p>
           <a:p>
             <a:pPr lvl="4"/>
             <a:r>
-              <a:rPr lang="en-US" smtClean="0"/>
+              <a:rPr lang="en-US"/>
               <a:t>Fifth level</a:t>
             </a:r>
-            <a:endParaRPr lang="en-US"/>
           </a:p>
         </p:txBody>
       </p:sp>
@@ -617,7 +610,7 @@
           <a:p>
             <a:fld id="{5B3AD1D6-AE87-C841-B3FD-7C9F7FCAE5AE}" type="datetimeFigureOut">
               <a:rPr lang="en-US" smtClean="0"/>
-              <a:t>12/16/19</a:t>
+              <a:t>12/20/19</a:t>
             </a:fld>
             <a:endParaRPr lang="en-US"/>
           </a:p>
@@ -711,10 +704,9 @@
           <a:lstStyle/>
           <a:p>
             <a:r>
-              <a:rPr lang="en-US" smtClean="0"/>
+              <a:rPr lang="en-US"/>
               <a:t>Click to edit Master title style</a:t>
             </a:r>
-            <a:endParaRPr lang="en-US"/>
           </a:p>
         </p:txBody>
       </p:sp>
@@ -735,38 +727,37 @@
           <a:p>
             <a:pPr lvl="0"/>
             <a:r>
-              <a:rPr lang="en-US" smtClean="0"/>
+              <a:rPr lang="en-US"/>
               <a:t>Click to edit Master text styles</a:t>
             </a:r>
           </a:p>
           <a:p>
             <a:pPr lvl="1"/>
             <a:r>
-              <a:rPr lang="en-US" smtClean="0"/>
+              <a:rPr lang="en-US"/>
               <a:t>Second level</a:t>
             </a:r>
           </a:p>
           <a:p>
             <a:pPr lvl="2"/>
             <a:r>
-              <a:rPr lang="en-US" smtClean="0"/>
+              <a:rPr lang="en-US"/>
               <a:t>Third level</a:t>
             </a:r>
           </a:p>
           <a:p>
             <a:pPr lvl="3"/>
             <a:r>
-              <a:rPr lang="en-US" smtClean="0"/>
+              <a:rPr lang="en-US"/>
               <a:t>Fourth level</a:t>
             </a:r>
           </a:p>
           <a:p>
             <a:pPr lvl="4"/>
             <a:r>
-              <a:rPr lang="en-US" smtClean="0"/>
+              <a:rPr lang="en-US"/>
               <a:t>Fifth level</a:t>
             </a:r>
-            <a:endParaRPr lang="en-US"/>
           </a:p>
         </p:txBody>
       </p:sp>
@@ -787,7 +778,7 @@
           <a:p>
             <a:fld id="{5B3AD1D6-AE87-C841-B3FD-7C9F7FCAE5AE}" type="datetimeFigureOut">
               <a:rPr lang="en-US" smtClean="0"/>
-              <a:t>12/16/19</a:t>
+              <a:t>12/20/19</a:t>
             </a:fld>
             <a:endParaRPr lang="en-US"/>
           </a:p>
@@ -890,10 +881,9 @@
           </a:lstStyle>
           <a:p>
             <a:r>
-              <a:rPr lang="en-US" smtClean="0"/>
+              <a:rPr lang="en-US"/>
               <a:t>Click to edit Master title style</a:t>
             </a:r>
-            <a:endParaRPr lang="en-US"/>
           </a:p>
         </p:txBody>
       </p:sp>
@@ -1010,7 +1000,7 @@
           <a:p>
             <a:pPr lvl="0"/>
             <a:r>
-              <a:rPr lang="en-US" smtClean="0"/>
+              <a:rPr lang="en-US"/>
               <a:t>Click to edit Master text styles</a:t>
             </a:r>
           </a:p>
@@ -1033,7 +1023,7 @@
           <a:p>
             <a:fld id="{5B3AD1D6-AE87-C841-B3FD-7C9F7FCAE5AE}" type="datetimeFigureOut">
               <a:rPr lang="en-US" smtClean="0"/>
-              <a:t>12/16/19</a:t>
+              <a:t>12/20/19</a:t>
             </a:fld>
             <a:endParaRPr lang="en-US"/>
           </a:p>
@@ -1127,10 +1117,9 @@
           <a:lstStyle/>
           <a:p>
             <a:r>
-              <a:rPr lang="en-US" smtClean="0"/>
+              <a:rPr lang="en-US"/>
               <a:t>Click to edit Master title style</a:t>
             </a:r>
-            <a:endParaRPr lang="en-US"/>
           </a:p>
         </p:txBody>
       </p:sp>
@@ -1156,38 +1145,37 @@
           <a:p>
             <a:pPr lvl="0"/>
             <a:r>
-              <a:rPr lang="en-US" smtClean="0"/>
+              <a:rPr lang="en-US"/>
               <a:t>Click to edit Master text styles</a:t>
             </a:r>
           </a:p>
           <a:p>
             <a:pPr lvl="1"/>
             <a:r>
-              <a:rPr lang="en-US" smtClean="0"/>
+              <a:rPr lang="en-US"/>
               <a:t>Second level</a:t>
             </a:r>
           </a:p>
           <a:p>
             <a:pPr lvl="2"/>
             <a:r>
-              <a:rPr lang="en-US" smtClean="0"/>
+              <a:rPr lang="en-US"/>
               <a:t>Third level</a:t>
             </a:r>
           </a:p>
           <a:p>
             <a:pPr lvl="3"/>
             <a:r>
-              <a:rPr lang="en-US" smtClean="0"/>
+              <a:rPr lang="en-US"/>
               <a:t>Fourth level</a:t>
             </a:r>
           </a:p>
           <a:p>
             <a:pPr lvl="4"/>
             <a:r>
-              <a:rPr lang="en-US" smtClean="0"/>
+              <a:rPr lang="en-US"/>
               <a:t>Fifth level</a:t>
             </a:r>
-            <a:endParaRPr lang="en-US"/>
           </a:p>
         </p:txBody>
       </p:sp>
@@ -1213,38 +1201,37 @@
           <a:p>
             <a:pPr lvl="0"/>
             <a:r>
-              <a:rPr lang="en-US" smtClean="0"/>
+              <a:rPr lang="en-US"/>
               <a:t>Click to edit Master text styles</a:t>
             </a:r>
           </a:p>
           <a:p>
             <a:pPr lvl="1"/>
             <a:r>
-              <a:rPr lang="en-US" smtClean="0"/>
+              <a:rPr lang="en-US"/>
               <a:t>Second level</a:t>
             </a:r>
           </a:p>
           <a:p>
             <a:pPr lvl="2"/>
             <a:r>
-              <a:rPr lang="en-US" smtClean="0"/>
+              <a:rPr lang="en-US"/>
               <a:t>Third level</a:t>
             </a:r>
           </a:p>
           <a:p>
             <a:pPr lvl="3"/>
             <a:r>
-              <a:rPr lang="en-US" smtClean="0"/>
+              <a:rPr lang="en-US"/>
               <a:t>Fourth level</a:t>
             </a:r>
           </a:p>
           <a:p>
             <a:pPr lvl="4"/>
             <a:r>
-              <a:rPr lang="en-US" smtClean="0"/>
+              <a:rPr lang="en-US"/>
               <a:t>Fifth level</a:t>
             </a:r>
-            <a:endParaRPr lang="en-US"/>
           </a:p>
         </p:txBody>
       </p:sp>
@@ -1265,7 +1252,7 @@
           <a:p>
             <a:fld id="{5B3AD1D6-AE87-C841-B3FD-7C9F7FCAE5AE}" type="datetimeFigureOut">
               <a:rPr lang="en-US" smtClean="0"/>
-              <a:t>12/16/19</a:t>
+              <a:t>12/20/19</a:t>
             </a:fld>
             <a:endParaRPr lang="en-US"/>
           </a:p>
@@ -1364,10 +1351,9 @@
           <a:lstStyle/>
           <a:p>
             <a:r>
-              <a:rPr lang="en-US" smtClean="0"/>
+              <a:rPr lang="en-US"/>
               <a:t>Click to edit Master title style</a:t>
             </a:r>
-            <a:endParaRPr lang="en-US"/>
           </a:p>
         </p:txBody>
       </p:sp>
@@ -1430,7 +1416,7 @@
           <a:p>
             <a:pPr lvl="0"/>
             <a:r>
-              <a:rPr lang="en-US" smtClean="0"/>
+              <a:rPr lang="en-US"/>
               <a:t>Click to edit Master text styles</a:t>
             </a:r>
           </a:p>
@@ -1458,38 +1444,37 @@
           <a:p>
             <a:pPr lvl="0"/>
             <a:r>
-              <a:rPr lang="en-US" smtClean="0"/>
+              <a:rPr lang="en-US"/>
               <a:t>Click to edit Master text styles</a:t>
             </a:r>
           </a:p>
           <a:p>
             <a:pPr lvl="1"/>
             <a:r>
-              <a:rPr lang="en-US" smtClean="0"/>
+              <a:rPr lang="en-US"/>
               <a:t>Second level</a:t>
             </a:r>
           </a:p>
           <a:p>
             <a:pPr lvl="2"/>
             <a:r>
-              <a:rPr lang="en-US" smtClean="0"/>
+              <a:rPr lang="en-US"/>
               <a:t>Third level</a:t>
             </a:r>
           </a:p>
           <a:p>
             <a:pPr lvl="3"/>
             <a:r>
-              <a:rPr lang="en-US" smtClean="0"/>
+              <a:rPr lang="en-US"/>
               <a:t>Fourth level</a:t>
             </a:r>
           </a:p>
           <a:p>
             <a:pPr lvl="4"/>
             <a:r>
-              <a:rPr lang="en-US" smtClean="0"/>
+              <a:rPr lang="en-US"/>
               <a:t>Fifth level</a:t>
             </a:r>
-            <a:endParaRPr lang="en-US"/>
           </a:p>
         </p:txBody>
       </p:sp>
@@ -1552,7 +1537,7 @@
           <a:p>
             <a:pPr lvl="0"/>
             <a:r>
-              <a:rPr lang="en-US" smtClean="0"/>
+              <a:rPr lang="en-US"/>
               <a:t>Click to edit Master text styles</a:t>
             </a:r>
           </a:p>
@@ -1580,38 +1565,37 @@
           <a:p>
             <a:pPr lvl="0"/>
             <a:r>
-              <a:rPr lang="en-US" smtClean="0"/>
+              <a:rPr lang="en-US"/>
               <a:t>Click to edit Master text styles</a:t>
             </a:r>
           </a:p>
           <a:p>
             <a:pPr lvl="1"/>
             <a:r>
-              <a:rPr lang="en-US" smtClean="0"/>
+              <a:rPr lang="en-US"/>
               <a:t>Second level</a:t>
             </a:r>
           </a:p>
           <a:p>
             <a:pPr lvl="2"/>
             <a:r>
-              <a:rPr lang="en-US" smtClean="0"/>
+              <a:rPr lang="en-US"/>
               <a:t>Third level</a:t>
             </a:r>
           </a:p>
           <a:p>
             <a:pPr lvl="3"/>
             <a:r>
-              <a:rPr lang="en-US" smtClean="0"/>
+              <a:rPr lang="en-US"/>
               <a:t>Fourth level</a:t>
             </a:r>
           </a:p>
           <a:p>
             <a:pPr lvl="4"/>
             <a:r>
-              <a:rPr lang="en-US" smtClean="0"/>
+              <a:rPr lang="en-US"/>
               <a:t>Fifth level</a:t>
             </a:r>
-            <a:endParaRPr lang="en-US"/>
           </a:p>
         </p:txBody>
       </p:sp>
@@ -1632,7 +1616,7 @@
           <a:p>
             <a:fld id="{5B3AD1D6-AE87-C841-B3FD-7C9F7FCAE5AE}" type="datetimeFigureOut">
               <a:rPr lang="en-US" smtClean="0"/>
-              <a:t>12/16/19</a:t>
+              <a:t>12/20/19</a:t>
             </a:fld>
             <a:endParaRPr lang="en-US"/>
           </a:p>
@@ -1726,10 +1710,9 @@
           <a:lstStyle/>
           <a:p>
             <a:r>
-              <a:rPr lang="en-US" smtClean="0"/>
+              <a:rPr lang="en-US"/>
               <a:t>Click to edit Master title style</a:t>
             </a:r>
-            <a:endParaRPr lang="en-US"/>
           </a:p>
         </p:txBody>
       </p:sp>
@@ -1750,7 +1733,7 @@
           <a:p>
             <a:fld id="{5B3AD1D6-AE87-C841-B3FD-7C9F7FCAE5AE}" type="datetimeFigureOut">
               <a:rPr lang="en-US" smtClean="0"/>
-              <a:t>12/16/19</a:t>
+              <a:t>12/20/19</a:t>
             </a:fld>
             <a:endParaRPr lang="en-US"/>
           </a:p>
@@ -1845,7 +1828,7 @@
           <a:p>
             <a:fld id="{5B3AD1D6-AE87-C841-B3FD-7C9F7FCAE5AE}" type="datetimeFigureOut">
               <a:rPr lang="en-US" smtClean="0"/>
-              <a:t>12/16/19</a:t>
+              <a:t>12/20/19</a:t>
             </a:fld>
             <a:endParaRPr lang="en-US"/>
           </a:p>
@@ -1948,10 +1931,9 @@
           </a:lstStyle>
           <a:p>
             <a:r>
-              <a:rPr lang="en-US" smtClean="0"/>
+              <a:rPr lang="en-US"/>
               <a:t>Click to edit Master title style</a:t>
             </a:r>
-            <a:endParaRPr lang="en-US"/>
           </a:p>
         </p:txBody>
       </p:sp>
@@ -2005,38 +1987,37 @@
           <a:p>
             <a:pPr lvl="0"/>
             <a:r>
-              <a:rPr lang="en-US" smtClean="0"/>
+              <a:rPr lang="en-US"/>
               <a:t>Click to edit Master text styles</a:t>
             </a:r>
           </a:p>
           <a:p>
             <a:pPr lvl="1"/>
             <a:r>
-              <a:rPr lang="en-US" smtClean="0"/>
+              <a:rPr lang="en-US"/>
               <a:t>Second level</a:t>
             </a:r>
           </a:p>
           <a:p>
             <a:pPr lvl="2"/>
             <a:r>
-              <a:rPr lang="en-US" smtClean="0"/>
+              <a:rPr lang="en-US"/>
               <a:t>Third level</a:t>
             </a:r>
           </a:p>
           <a:p>
             <a:pPr lvl="3"/>
             <a:r>
-              <a:rPr lang="en-US" smtClean="0"/>
+              <a:rPr lang="en-US"/>
               <a:t>Fourth level</a:t>
             </a:r>
           </a:p>
           <a:p>
             <a:pPr lvl="4"/>
             <a:r>
-              <a:rPr lang="en-US" smtClean="0"/>
+              <a:rPr lang="en-US"/>
               <a:t>Fifth level</a:t>
             </a:r>
-            <a:endParaRPr lang="en-US"/>
           </a:p>
         </p:txBody>
       </p:sp>
@@ -2099,7 +2080,7 @@
           <a:p>
             <a:pPr lvl="0"/>
             <a:r>
-              <a:rPr lang="en-US" smtClean="0"/>
+              <a:rPr lang="en-US"/>
               <a:t>Click to edit Master text styles</a:t>
             </a:r>
           </a:p>
@@ -2122,7 +2103,7 @@
           <a:p>
             <a:fld id="{5B3AD1D6-AE87-C841-B3FD-7C9F7FCAE5AE}" type="datetimeFigureOut">
               <a:rPr lang="en-US" smtClean="0"/>
-              <a:t>12/16/19</a:t>
+              <a:t>12/20/19</a:t>
             </a:fld>
             <a:endParaRPr lang="en-US"/>
           </a:p>
@@ -2225,10 +2206,9 @@
           </a:lstStyle>
           <a:p>
             <a:r>
-              <a:rPr lang="en-US" smtClean="0"/>
+              <a:rPr lang="en-US"/>
               <a:t>Click to edit Master title style</a:t>
             </a:r>
-            <a:endParaRPr lang="en-US"/>
           </a:p>
         </p:txBody>
       </p:sp>
@@ -2352,7 +2332,7 @@
           <a:p>
             <a:pPr lvl="0"/>
             <a:r>
-              <a:rPr lang="en-US" smtClean="0"/>
+              <a:rPr lang="en-US"/>
               <a:t>Click to edit Master text styles</a:t>
             </a:r>
           </a:p>
@@ -2375,7 +2355,7 @@
           <a:p>
             <a:fld id="{5B3AD1D6-AE87-C841-B3FD-7C9F7FCAE5AE}" type="datetimeFigureOut">
               <a:rPr lang="en-US" smtClean="0"/>
-              <a:t>12/16/19</a:t>
+              <a:t>12/20/19</a:t>
             </a:fld>
             <a:endParaRPr lang="en-US"/>
           </a:p>
@@ -2484,10 +2464,9 @@
           <a:lstStyle/>
           <a:p>
             <a:r>
-              <a:rPr lang="en-US" smtClean="0"/>
+              <a:rPr lang="en-US"/>
               <a:t>Click to edit Master title style</a:t>
             </a:r>
-            <a:endParaRPr lang="en-US"/>
           </a:p>
         </p:txBody>
       </p:sp>
@@ -2518,38 +2497,37 @@
           <a:p>
             <a:pPr lvl="0"/>
             <a:r>
-              <a:rPr lang="en-US" smtClean="0"/>
+              <a:rPr lang="en-US"/>
               <a:t>Click to edit Master text styles</a:t>
             </a:r>
           </a:p>
           <a:p>
             <a:pPr lvl="1"/>
             <a:r>
-              <a:rPr lang="en-US" smtClean="0"/>
+              <a:rPr lang="en-US"/>
               <a:t>Second level</a:t>
             </a:r>
           </a:p>
           <a:p>
             <a:pPr lvl="2"/>
             <a:r>
-              <a:rPr lang="en-US" smtClean="0"/>
+              <a:rPr lang="en-US"/>
               <a:t>Third level</a:t>
             </a:r>
           </a:p>
           <a:p>
             <a:pPr lvl="3"/>
             <a:r>
-              <a:rPr lang="en-US" smtClean="0"/>
+              <a:rPr lang="en-US"/>
               <a:t>Fourth level</a:t>
             </a:r>
           </a:p>
           <a:p>
             <a:pPr lvl="4"/>
             <a:r>
-              <a:rPr lang="en-US" smtClean="0"/>
+              <a:rPr lang="en-US"/>
               <a:t>Fifth level</a:t>
             </a:r>
-            <a:endParaRPr lang="en-US"/>
           </a:p>
         </p:txBody>
       </p:sp>
@@ -2588,7 +2566,7 @@
           <a:p>
             <a:fld id="{5B3AD1D6-AE87-C841-B3FD-7C9F7FCAE5AE}" type="datetimeFigureOut">
               <a:rPr lang="en-US" smtClean="0"/>
-              <a:t>12/16/19</a:t>
+              <a:t>12/20/19</a:t>
             </a:fld>
             <a:endParaRPr lang="en-US"/>
           </a:p>
@@ -3015,29 +2993,6 @@
           </a:bodyPr>
           <a:lstStyle/>
           <a:p>
-            <a:r>
-              <a:rPr lang="en-US" sz="4000" dirty="0" smtClean="0">
-                <a:latin typeface="Arial Black" charset="0"/>
-                <a:ea typeface="Arial Black" charset="0"/>
-                <a:cs typeface="Arial Black" charset="0"/>
-              </a:rPr>
-              <a:t/>
-            </a:r>
-            <a:br>
-              <a:rPr lang="en-US" sz="4000" dirty="0" smtClean="0">
-                <a:latin typeface="Arial Black" charset="0"/>
-                <a:ea typeface="Arial Black" charset="0"/>
-                <a:cs typeface="Arial Black" charset="0"/>
-              </a:rPr>
-            </a:br>
-            <a:r>
-              <a:rPr lang="en-US" sz="4000" dirty="0">
-                <a:latin typeface="Arial Black" charset="0"/>
-                <a:ea typeface="Arial Black" charset="0"/>
-                <a:cs typeface="Arial Black" charset="0"/>
-              </a:rPr>
-              <a:t/>
-            </a:r>
             <a:br>
               <a:rPr lang="en-US" sz="4000" dirty="0">
                 <a:latin typeface="Arial Black" charset="0"/>
@@ -3045,29 +3000,6 @@
                 <a:cs typeface="Arial Black" charset="0"/>
               </a:rPr>
             </a:br>
-            <a:r>
-              <a:rPr lang="en-US" sz="4000" dirty="0" smtClean="0">
-                <a:latin typeface="Arial Black" charset="0"/>
-                <a:ea typeface="Arial Black" charset="0"/>
-                <a:cs typeface="Arial Black" charset="0"/>
-              </a:rPr>
-              <a:t/>
-            </a:r>
-            <a:br>
-              <a:rPr lang="en-US" sz="4000" dirty="0" smtClean="0">
-                <a:latin typeface="Arial Black" charset="0"/>
-                <a:ea typeface="Arial Black" charset="0"/>
-                <a:cs typeface="Arial Black" charset="0"/>
-              </a:rPr>
-            </a:br>
-            <a:r>
-              <a:rPr lang="en-US" sz="4000" dirty="0">
-                <a:latin typeface="Arial Black" charset="0"/>
-                <a:ea typeface="Arial Black" charset="0"/>
-                <a:cs typeface="Arial Black" charset="0"/>
-              </a:rPr>
-              <a:t/>
-            </a:r>
             <a:br>
               <a:rPr lang="en-US" sz="4000" dirty="0">
                 <a:latin typeface="Arial Black" charset="0"/>
@@ -3075,29 +3007,6 @@
                 <a:cs typeface="Arial Black" charset="0"/>
               </a:rPr>
             </a:br>
-            <a:r>
-              <a:rPr lang="en-US" sz="4000" dirty="0" smtClean="0">
-                <a:latin typeface="Arial Black" charset="0"/>
-                <a:ea typeface="Arial Black" charset="0"/>
-                <a:cs typeface="Arial Black" charset="0"/>
-              </a:rPr>
-              <a:t/>
-            </a:r>
-            <a:br>
-              <a:rPr lang="en-US" sz="4000" dirty="0" smtClean="0">
-                <a:latin typeface="Arial Black" charset="0"/>
-                <a:ea typeface="Arial Black" charset="0"/>
-                <a:cs typeface="Arial Black" charset="0"/>
-              </a:rPr>
-            </a:br>
-            <a:r>
-              <a:rPr lang="en-US" sz="4000" dirty="0">
-                <a:latin typeface="Arial Black" charset="0"/>
-                <a:ea typeface="Arial Black" charset="0"/>
-                <a:cs typeface="Arial Black" charset="0"/>
-              </a:rPr>
-              <a:t/>
-            </a:r>
             <a:br>
               <a:rPr lang="en-US" sz="4000" dirty="0">
                 <a:latin typeface="Arial Black" charset="0"/>
@@ -3105,29 +3014,6 @@
                 <a:cs typeface="Arial Black" charset="0"/>
               </a:rPr>
             </a:br>
-            <a:r>
-              <a:rPr lang="en-US" sz="4000" dirty="0" smtClean="0">
-                <a:latin typeface="Arial Black" charset="0"/>
-                <a:ea typeface="Arial Black" charset="0"/>
-                <a:cs typeface="Arial Black" charset="0"/>
-              </a:rPr>
-              <a:t/>
-            </a:r>
-            <a:br>
-              <a:rPr lang="en-US" sz="4000" dirty="0" smtClean="0">
-                <a:latin typeface="Arial Black" charset="0"/>
-                <a:ea typeface="Arial Black" charset="0"/>
-                <a:cs typeface="Arial Black" charset="0"/>
-              </a:rPr>
-            </a:br>
-            <a:r>
-              <a:rPr lang="en-US" sz="4000" dirty="0">
-                <a:latin typeface="Arial Black" charset="0"/>
-                <a:ea typeface="Arial Black" charset="0"/>
-                <a:cs typeface="Arial Black" charset="0"/>
-              </a:rPr>
-              <a:t/>
-            </a:r>
             <a:br>
               <a:rPr lang="en-US" sz="4000" dirty="0">
                 <a:latin typeface="Arial Black" charset="0"/>
@@ -3135,29 +3021,6 @@
                 <a:cs typeface="Arial Black" charset="0"/>
               </a:rPr>
             </a:br>
-            <a:r>
-              <a:rPr lang="en-US" sz="4000" dirty="0" smtClean="0">
-                <a:latin typeface="Arial Black" charset="0"/>
-                <a:ea typeface="Arial Black" charset="0"/>
-                <a:cs typeface="Arial Black" charset="0"/>
-              </a:rPr>
-              <a:t/>
-            </a:r>
-            <a:br>
-              <a:rPr lang="en-US" sz="4000" dirty="0" smtClean="0">
-                <a:latin typeface="Arial Black" charset="0"/>
-                <a:ea typeface="Arial Black" charset="0"/>
-                <a:cs typeface="Arial Black" charset="0"/>
-              </a:rPr>
-            </a:br>
-            <a:r>
-              <a:rPr lang="en-US" sz="4000" dirty="0">
-                <a:latin typeface="Arial Black" charset="0"/>
-                <a:ea typeface="Arial Black" charset="0"/>
-                <a:cs typeface="Arial Black" charset="0"/>
-              </a:rPr>
-              <a:t/>
-            </a:r>
             <a:br>
               <a:rPr lang="en-US" sz="4000" dirty="0">
                 <a:latin typeface="Arial Black" charset="0"/>
@@ -3165,23 +3028,50 @@
                 <a:cs typeface="Arial Black" charset="0"/>
               </a:rPr>
             </a:br>
-            <a:r>
-              <a:rPr lang="en-US" sz="4000" dirty="0" smtClean="0">
-                <a:latin typeface="Arial Black" charset="0"/>
-                <a:ea typeface="Arial Black" charset="0"/>
-                <a:cs typeface="Arial Black" charset="0"/>
-              </a:rPr>
-              <a:t/>
-            </a:r>
             <a:br>
-              <a:rPr lang="en-US" sz="4000" dirty="0" smtClean="0">
+              <a:rPr lang="en-US" sz="4000" dirty="0">
                 <a:latin typeface="Arial Black" charset="0"/>
                 <a:ea typeface="Arial Black" charset="0"/>
                 <a:cs typeface="Arial Black" charset="0"/>
               </a:rPr>
             </a:br>
-            <a:r>
-              <a:rPr lang="en-US" sz="6700" dirty="0" smtClean="0">
+            <a:br>
+              <a:rPr lang="en-US" sz="4000" dirty="0">
+                <a:latin typeface="Arial Black" charset="0"/>
+                <a:ea typeface="Arial Black" charset="0"/>
+                <a:cs typeface="Arial Black" charset="0"/>
+              </a:rPr>
+            </a:br>
+            <a:br>
+              <a:rPr lang="en-US" sz="4000" dirty="0">
+                <a:latin typeface="Arial Black" charset="0"/>
+                <a:ea typeface="Arial Black" charset="0"/>
+                <a:cs typeface="Arial Black" charset="0"/>
+              </a:rPr>
+            </a:br>
+            <a:br>
+              <a:rPr lang="en-US" sz="4000" dirty="0">
+                <a:latin typeface="Arial Black" charset="0"/>
+                <a:ea typeface="Arial Black" charset="0"/>
+                <a:cs typeface="Arial Black" charset="0"/>
+              </a:rPr>
+            </a:br>
+            <a:br>
+              <a:rPr lang="en-US" sz="4000" dirty="0">
+                <a:latin typeface="Arial Black" charset="0"/>
+                <a:ea typeface="Arial Black" charset="0"/>
+                <a:cs typeface="Arial Black" charset="0"/>
+              </a:rPr>
+            </a:br>
+            <a:br>
+              <a:rPr lang="en-US" sz="4000" dirty="0">
+                <a:latin typeface="Arial Black" charset="0"/>
+                <a:ea typeface="Arial Black" charset="0"/>
+                <a:cs typeface="Arial Black" charset="0"/>
+              </a:rPr>
+            </a:br>
+            <a:r>
+              <a:rPr lang="en-US" sz="6700" dirty="0">
                 <a:latin typeface="Arial Black" charset="0"/>
                 <a:ea typeface="Arial Black" charset="0"/>
                 <a:cs typeface="Arial Black" charset="0"/>
@@ -3189,14 +3079,14 @@
               <a:t>Problems</a:t>
             </a:r>
             <a:br>
-              <a:rPr lang="en-US" sz="6700" dirty="0" smtClean="0">
+              <a:rPr lang="en-US" sz="6700" dirty="0">
                 <a:latin typeface="Arial Black" charset="0"/>
                 <a:ea typeface="Arial Black" charset="0"/>
                 <a:cs typeface="Arial Black" charset="0"/>
               </a:rPr>
             </a:br>
             <a:r>
-              <a:rPr lang="en-US" sz="6700" dirty="0" smtClean="0">
+              <a:rPr lang="en-US" sz="6700" dirty="0">
                 <a:latin typeface="Arial Black" charset="0"/>
                 <a:ea typeface="Arial Black" charset="0"/>
                 <a:cs typeface="Arial Black" charset="0"/>
@@ -3204,14 +3094,14 @@
               <a:t>on</a:t>
             </a:r>
             <a:br>
-              <a:rPr lang="en-US" sz="6700" dirty="0" smtClean="0">
+              <a:rPr lang="en-US" sz="6700">
                 <a:latin typeface="Arial Black" charset="0"/>
                 <a:ea typeface="Arial Black" charset="0"/>
                 <a:cs typeface="Arial Black" charset="0"/>
               </a:rPr>
             </a:br>
             <a:r>
-              <a:rPr lang="en-US" sz="6700" dirty="0" smtClean="0">
+              <a:rPr lang="en-US" sz="6700">
                 <a:latin typeface="Arial Black" charset="0"/>
                 <a:ea typeface="Arial Black" charset="0"/>
                 <a:cs typeface="Arial Black" charset="0"/>
@@ -3219,22 +3109,22 @@
               <a:t>Counting</a:t>
             </a:r>
             <a:br>
-              <a:rPr lang="en-US" sz="6700" dirty="0" smtClean="0">
+              <a:rPr lang="en-US" sz="6700">
                 <a:latin typeface="Arial Black" charset="0"/>
                 <a:ea typeface="Arial Black" charset="0"/>
                 <a:cs typeface="Arial Black" charset="0"/>
               </a:rPr>
             </a:br>
             <a:r>
-              <a:rPr lang="en-US" sz="6700" dirty="0" smtClean="0">
+              <a:rPr lang="en-US" sz="6700">
                 <a:latin typeface="Arial Black" charset="0"/>
                 <a:ea typeface="Arial Black" charset="0"/>
                 <a:cs typeface="Arial Black" charset="0"/>
               </a:rPr>
-              <a:t/>
+              <a:t>2002</a:t>
             </a:r>
             <a:br>
-              <a:rPr lang="en-US" sz="6700" dirty="0" smtClean="0">
+              <a:rPr lang="en-US" sz="6700" dirty="0">
                 <a:latin typeface="Arial Black" charset="0"/>
                 <a:ea typeface="Arial Black" charset="0"/>
                 <a:cs typeface="Arial Black" charset="0"/>
@@ -3386,8 +3276,8 @@
         </p:blipFill>
         <p:spPr>
           <a:xfrm>
-            <a:off x="190500" y="2956560"/>
-            <a:ext cx="11605260" cy="2926080"/>
+            <a:off x="190500" y="3517900"/>
+            <a:ext cx="11605260" cy="2364740"/>
           </a:xfrm>
           <a:prstGeom prst="rect">
             <a:avLst/>
@@ -3397,7 +3287,7 @@
     </p:spTree>
     <p:extLst>
       <p:ext uri="{BB962C8B-B14F-4D97-AF65-F5344CB8AC3E}">
-        <p14:creationId xmlns:p14="http://schemas.microsoft.com/office/powerpoint/2010/main" val="1580709152"/>
+        <p14:creationId xmlns:p14="http://schemas.microsoft.com/office/powerpoint/2010/main" val="232913126"/>
       </p:ext>
     </p:extLst>
   </p:cSld>
@@ -3506,8 +3396,8 @@
         </p:blipFill>
         <p:spPr>
           <a:xfrm>
-            <a:off x="190500" y="3517900"/>
-            <a:ext cx="11605260" cy="2364740"/>
+            <a:off x="190500" y="4138596"/>
+            <a:ext cx="11605260" cy="1744044"/>
           </a:xfrm>
           <a:prstGeom prst="rect">
             <a:avLst/>
@@ -3517,7 +3407,7 @@
     </p:spTree>
     <p:extLst>
       <p:ext uri="{BB962C8B-B14F-4D97-AF65-F5344CB8AC3E}">
-        <p14:creationId xmlns:p14="http://schemas.microsoft.com/office/powerpoint/2010/main" val="232913126"/>
+        <p14:creationId xmlns:p14="http://schemas.microsoft.com/office/powerpoint/2010/main" val="1337983551"/>
       </p:ext>
     </p:extLst>
   </p:cSld>
@@ -3604,40 +3494,10 @@
           </a:prstGeom>
         </p:spPr>
       </p:pic>
-      <p:pic>
-        <p:nvPicPr>
-          <p:cNvPr id="6" name="Picture 5"/>
-          <p:cNvPicPr>
-            <a:picLocks noChangeAspect="1"/>
-          </p:cNvPicPr>
-          <p:nvPr/>
-        </p:nvPicPr>
-        <p:blipFill>
-          <a:blip r:embed="rId4">
-            <a:extLst>
-              <a:ext uri="{28A0092B-C50C-407E-A947-70E740481C1C}">
-                <a14:useLocalDpi xmlns:a14="http://schemas.microsoft.com/office/drawing/2010/main" val="0"/>
-              </a:ext>
-            </a:extLst>
-          </a:blip>
-          <a:stretch>
-            <a:fillRect/>
-          </a:stretch>
-        </p:blipFill>
-        <p:spPr>
-          <a:xfrm>
-            <a:off x="190500" y="4138596"/>
-            <a:ext cx="11605260" cy="1744044"/>
-          </a:xfrm>
-          <a:prstGeom prst="rect">
-            <a:avLst/>
-          </a:prstGeom>
-        </p:spPr>
-      </p:pic>
     </p:spTree>
     <p:extLst>
       <p:ext uri="{BB962C8B-B14F-4D97-AF65-F5344CB8AC3E}">
-        <p14:creationId xmlns:p14="http://schemas.microsoft.com/office/powerpoint/2010/main" val="1337983551"/>
+        <p14:creationId xmlns:p14="http://schemas.microsoft.com/office/powerpoint/2010/main" val="1832252443"/>
       </p:ext>
     </p:extLst>
   </p:cSld>
@@ -3696,7 +3556,7 @@
       </p:pic>
       <p:pic>
         <p:nvPicPr>
-          <p:cNvPr id="5" name="Picture 4"/>
+          <p:cNvPr id="2" name="Picture 1"/>
           <p:cNvPicPr>
             <a:picLocks noChangeAspect="1"/>
           </p:cNvPicPr>
@@ -3716,8 +3576,38 @@
         </p:blipFill>
         <p:spPr>
           <a:xfrm>
-            <a:off x="190500" y="1832944"/>
-            <a:ext cx="11605260" cy="3369912"/>
+            <a:off x="165099" y="1212850"/>
+            <a:ext cx="11735959" cy="3545840"/>
+          </a:xfrm>
+          <a:prstGeom prst="rect">
+            <a:avLst/>
+          </a:prstGeom>
+        </p:spPr>
+      </p:pic>
+      <p:pic>
+        <p:nvPicPr>
+          <p:cNvPr id="4" name="Picture 3"/>
+          <p:cNvPicPr>
+            <a:picLocks noChangeAspect="1"/>
+          </p:cNvPicPr>
+          <p:nvPr/>
+        </p:nvPicPr>
+        <p:blipFill>
+          <a:blip r:embed="rId4">
+            <a:extLst>
+              <a:ext uri="{28A0092B-C50C-407E-A947-70E740481C1C}">
+                <a14:useLocalDpi xmlns:a14="http://schemas.microsoft.com/office/drawing/2010/main" val="0"/>
+              </a:ext>
+            </a:extLst>
+          </a:blip>
+          <a:stretch>
+            <a:fillRect/>
+          </a:stretch>
+        </p:blipFill>
+        <p:spPr>
+          <a:xfrm>
+            <a:off x="0" y="1828800"/>
+            <a:ext cx="11901058" cy="3718560"/>
           </a:xfrm>
           <a:prstGeom prst="rect">
             <a:avLst/>
@@ -3727,7 +3617,7 @@
     </p:spTree>
     <p:extLst>
       <p:ext uri="{BB962C8B-B14F-4D97-AF65-F5344CB8AC3E}">
-        <p14:creationId xmlns:p14="http://schemas.microsoft.com/office/powerpoint/2010/main" val="1832252443"/>
+        <p14:creationId xmlns:p14="http://schemas.microsoft.com/office/powerpoint/2010/main" val="1674524344"/>
       </p:ext>
     </p:extLst>
   </p:cSld>
@@ -3836,8 +3726,8 @@
         </p:blipFill>
         <p:spPr>
           <a:xfrm>
-            <a:off x="0" y="1828800"/>
-            <a:ext cx="11901058" cy="3718560"/>
+            <a:off x="0" y="2453640"/>
+            <a:ext cx="11901058" cy="3093720"/>
           </a:xfrm>
           <a:prstGeom prst="rect">
             <a:avLst/>
@@ -3847,7 +3737,7 @@
     </p:spTree>
     <p:extLst>
       <p:ext uri="{BB962C8B-B14F-4D97-AF65-F5344CB8AC3E}">
-        <p14:creationId xmlns:p14="http://schemas.microsoft.com/office/powerpoint/2010/main" val="1674524344"/>
+        <p14:creationId xmlns:p14="http://schemas.microsoft.com/office/powerpoint/2010/main" val="1523030394"/>
       </p:ext>
     </p:extLst>
   </p:cSld>
@@ -3956,8 +3846,8 @@
         </p:blipFill>
         <p:spPr>
           <a:xfrm>
-            <a:off x="0" y="2453640"/>
-            <a:ext cx="11901058" cy="3093720"/>
+            <a:off x="0" y="3032760"/>
+            <a:ext cx="11901058" cy="2514600"/>
           </a:xfrm>
           <a:prstGeom prst="rect">
             <a:avLst/>
@@ -3967,7 +3857,7 @@
     </p:spTree>
     <p:extLst>
       <p:ext uri="{BB962C8B-B14F-4D97-AF65-F5344CB8AC3E}">
-        <p14:creationId xmlns:p14="http://schemas.microsoft.com/office/powerpoint/2010/main" val="1523030394"/>
+        <p14:creationId xmlns:p14="http://schemas.microsoft.com/office/powerpoint/2010/main" val="381735786"/>
       </p:ext>
     </p:extLst>
   </p:cSld>
@@ -4076,8 +3966,8 @@
         </p:blipFill>
         <p:spPr>
           <a:xfrm>
-            <a:off x="0" y="3032760"/>
-            <a:ext cx="11901058" cy="2514600"/>
+            <a:off x="0" y="3703320"/>
+            <a:ext cx="11901058" cy="1844040"/>
           </a:xfrm>
           <a:prstGeom prst="rect">
             <a:avLst/>
@@ -4087,7 +3977,7 @@
     </p:spTree>
     <p:extLst>
       <p:ext uri="{BB962C8B-B14F-4D97-AF65-F5344CB8AC3E}">
-        <p14:creationId xmlns:p14="http://schemas.microsoft.com/office/powerpoint/2010/main" val="381735786"/>
+        <p14:creationId xmlns:p14="http://schemas.microsoft.com/office/powerpoint/2010/main" val="711027018"/>
       </p:ext>
     </p:extLst>
   </p:cSld>
@@ -4174,40 +4064,10 @@
           </a:prstGeom>
         </p:spPr>
       </p:pic>
-      <p:pic>
-        <p:nvPicPr>
-          <p:cNvPr id="4" name="Picture 3"/>
-          <p:cNvPicPr>
-            <a:picLocks noChangeAspect="1"/>
-          </p:cNvPicPr>
-          <p:nvPr/>
-        </p:nvPicPr>
-        <p:blipFill>
-          <a:blip r:embed="rId4">
-            <a:extLst>
-              <a:ext uri="{28A0092B-C50C-407E-A947-70E740481C1C}">
-                <a14:useLocalDpi xmlns:a14="http://schemas.microsoft.com/office/drawing/2010/main" val="0"/>
-              </a:ext>
-            </a:extLst>
-          </a:blip>
-          <a:stretch>
-            <a:fillRect/>
-          </a:stretch>
-        </p:blipFill>
-        <p:spPr>
-          <a:xfrm>
-            <a:off x="0" y="3703320"/>
-            <a:ext cx="11901058" cy="1844040"/>
-          </a:xfrm>
-          <a:prstGeom prst="rect">
-            <a:avLst/>
-          </a:prstGeom>
-        </p:spPr>
-      </p:pic>
     </p:spTree>
     <p:extLst>
       <p:ext uri="{BB962C8B-B14F-4D97-AF65-F5344CB8AC3E}">
-        <p14:creationId xmlns:p14="http://schemas.microsoft.com/office/powerpoint/2010/main" val="711027018"/>
+        <p14:creationId xmlns:p14="http://schemas.microsoft.com/office/powerpoint/2010/main" val="1379490309"/>
       </p:ext>
     </p:extLst>
   </p:cSld>
@@ -4286,8 +4146,38 @@
         </p:blipFill>
         <p:spPr>
           <a:xfrm>
-            <a:off x="165099" y="1212850"/>
-            <a:ext cx="11735959" cy="3545840"/>
+            <a:off x="160789" y="2164080"/>
+            <a:ext cx="11905189" cy="2316480"/>
+          </a:xfrm>
+          <a:prstGeom prst="rect">
+            <a:avLst/>
+          </a:prstGeom>
+        </p:spPr>
+      </p:pic>
+      <p:pic>
+        <p:nvPicPr>
+          <p:cNvPr id="4" name="Picture 3"/>
+          <p:cNvPicPr>
+            <a:picLocks noChangeAspect="1"/>
+          </p:cNvPicPr>
+          <p:nvPr/>
+        </p:nvPicPr>
+        <p:blipFill>
+          <a:blip r:embed="rId4">
+            <a:extLst>
+              <a:ext uri="{28A0092B-C50C-407E-A947-70E740481C1C}">
+                <a14:useLocalDpi xmlns:a14="http://schemas.microsoft.com/office/drawing/2010/main" val="0"/>
+              </a:ext>
+            </a:extLst>
+          </a:blip>
+          <a:stretch>
+            <a:fillRect/>
+          </a:stretch>
+        </p:blipFill>
+        <p:spPr>
+          <a:xfrm>
+            <a:off x="160789" y="2804160"/>
+            <a:ext cx="11772131" cy="1783080"/>
           </a:xfrm>
           <a:prstGeom prst="rect">
             <a:avLst/>
@@ -4297,7 +4187,7 @@
     </p:spTree>
     <p:extLst>
       <p:ext uri="{BB962C8B-B14F-4D97-AF65-F5344CB8AC3E}">
-        <p14:creationId xmlns:p14="http://schemas.microsoft.com/office/powerpoint/2010/main" val="1379490309"/>
+        <p14:creationId xmlns:p14="http://schemas.microsoft.com/office/powerpoint/2010/main" val="1891909522"/>
       </p:ext>
     </p:extLst>
   </p:cSld>
@@ -4406,8 +4296,8 @@
         </p:blipFill>
         <p:spPr>
           <a:xfrm>
-            <a:off x="160789" y="2804160"/>
-            <a:ext cx="11772131" cy="1783080"/>
+            <a:off x="160789" y="3352800"/>
+            <a:ext cx="11772131" cy="1234440"/>
           </a:xfrm>
           <a:prstGeom prst="rect">
             <a:avLst/>
@@ -4417,7 +4307,7 @@
     </p:spTree>
     <p:extLst>
       <p:ext uri="{BB962C8B-B14F-4D97-AF65-F5344CB8AC3E}">
-        <p14:creationId xmlns:p14="http://schemas.microsoft.com/office/powerpoint/2010/main" val="1891909522"/>
+        <p14:creationId xmlns:p14="http://schemas.microsoft.com/office/powerpoint/2010/main" val="347690136"/>
       </p:ext>
     </p:extLst>
   </p:cSld>
@@ -4462,18 +4352,13 @@
           <a:lstStyle/>
           <a:p>
             <a:r>
-              <a:rPr lang="en-US" sz="4000" dirty="0" smtClean="0">
+              <a:rPr lang="en-US" sz="4000" dirty="0">
                 <a:latin typeface="Arial Black" charset="0"/>
                 <a:ea typeface="Arial Black" charset="0"/>
                 <a:cs typeface="Arial Black" charset="0"/>
               </a:rPr>
               <a:t>Reference</a:t>
             </a:r>
-            <a:endParaRPr lang="en-US" sz="4000" dirty="0">
-              <a:latin typeface="Arial Black" charset="0"/>
-              <a:ea typeface="Arial Black" charset="0"/>
-              <a:cs typeface="Arial Black" charset="0"/>
-            </a:endParaRPr>
           </a:p>
         </p:txBody>
       </p:sp>
@@ -4492,7 +4377,7 @@
           <a:bodyPr/>
           <a:lstStyle/>
           <a:p>
-            <a:endParaRPr lang="en-US" sz="2000" dirty="0" smtClean="0">
+            <a:endParaRPr lang="en-US" sz="2000" dirty="0">
               <a:latin typeface="Arial Black" charset="0"/>
               <a:ea typeface="Arial Black" charset="0"/>
               <a:cs typeface="Arial Black" charset="0"/>
@@ -4501,7 +4386,7 @@
           </a:p>
           <a:p>
             <a:r>
-              <a:rPr lang="en-US" sz="2000" dirty="0" smtClean="0">
+              <a:rPr lang="en-US" sz="2000" dirty="0">
                 <a:latin typeface="Arial Black" charset="0"/>
                 <a:ea typeface="Arial Black" charset="0"/>
                 <a:cs typeface="Arial Black" charset="0"/>
@@ -4509,14 +4394,14 @@
               </a:rPr>
               <a:t>Data</a:t>
             </a:r>
-            <a:endParaRPr lang="en-US" sz="2000" dirty="0" smtClean="0">
+            <a:endParaRPr lang="en-US" sz="2000" dirty="0">
               <a:latin typeface="Arial Black" charset="0"/>
               <a:ea typeface="Arial Black" charset="0"/>
               <a:cs typeface="Arial Black" charset="0"/>
             </a:endParaRPr>
           </a:p>
           <a:p>
-            <a:endParaRPr lang="en-US" sz="2000" dirty="0" smtClean="0">
+            <a:endParaRPr lang="en-US" sz="2000" dirty="0">
               <a:latin typeface="Arial Black" charset="0"/>
               <a:ea typeface="Arial Black" charset="0"/>
               <a:cs typeface="Arial Black" charset="0"/>
@@ -4524,7 +4409,7 @@
           </a:p>
           <a:p>
             <a:r>
-              <a:rPr lang="en-US" sz="2000" dirty="0" smtClean="0">
+              <a:rPr lang="en-US" sz="2000" dirty="0">
                 <a:latin typeface="Arial Black" charset="0"/>
                 <a:ea typeface="Arial Black" charset="0"/>
                 <a:cs typeface="Arial Black" charset="0"/>
@@ -4532,14 +4417,14 @@
               </a:rPr>
               <a:t>Youtube</a:t>
             </a:r>
-            <a:endParaRPr lang="en-US" sz="2000" dirty="0" smtClean="0">
+            <a:endParaRPr lang="en-US" sz="2000" dirty="0">
               <a:latin typeface="Arial Black" charset="0"/>
               <a:ea typeface="Arial Black" charset="0"/>
               <a:cs typeface="Arial Black" charset="0"/>
             </a:endParaRPr>
           </a:p>
           <a:p>
-            <a:endParaRPr lang="en-US" dirty="0" smtClean="0">
+            <a:endParaRPr lang="en-US" dirty="0">
               <a:latin typeface="Arial Black" charset="0"/>
               <a:ea typeface="Arial Black" charset="0"/>
               <a:cs typeface="Arial Black" charset="0"/>
@@ -4547,7 +4432,7 @@
           </a:p>
           <a:p>
             <a:r>
-              <a:rPr lang="en-US" sz="2000" dirty="0" smtClean="0">
+              <a:rPr lang="en-US" sz="2000" dirty="0">
                 <a:latin typeface="Arial Black" charset="0"/>
                 <a:ea typeface="Arial Black" charset="0"/>
                 <a:cs typeface="Arial Black" charset="0"/>
@@ -4555,7 +4440,7 @@
               </a:rPr>
               <a:t>Code</a:t>
             </a:r>
-            <a:endParaRPr lang="en-US" sz="2000" dirty="0" smtClean="0">
+            <a:endParaRPr lang="en-US" sz="2000" dirty="0">
               <a:latin typeface="Arial Black" charset="0"/>
               <a:ea typeface="Arial Black" charset="0"/>
               <a:cs typeface="Arial Black" charset="0"/>
@@ -4574,13 +4459,6 @@
   <p:clrMapOvr>
     <a:masterClrMapping/>
   </p:clrMapOvr>
-  <p:timing>
-    <p:tnLst>
-      <p:par>
-        <p:cTn id="1" dur="indefinite" restart="never" nodeType="tmRoot"/>
-      </p:par>
-    </p:tnLst>
-  </p:timing>
 </p:sld>
 </file>
 
@@ -4661,40 +4539,10 @@
           </a:prstGeom>
         </p:spPr>
       </p:pic>
-      <p:pic>
-        <p:nvPicPr>
-          <p:cNvPr id="4" name="Picture 3"/>
-          <p:cNvPicPr>
-            <a:picLocks noChangeAspect="1"/>
-          </p:cNvPicPr>
-          <p:nvPr/>
-        </p:nvPicPr>
-        <p:blipFill>
-          <a:blip r:embed="rId4">
-            <a:extLst>
-              <a:ext uri="{28A0092B-C50C-407E-A947-70E740481C1C}">
-                <a14:useLocalDpi xmlns:a14="http://schemas.microsoft.com/office/drawing/2010/main" val="0"/>
-              </a:ext>
-            </a:extLst>
-          </a:blip>
-          <a:stretch>
-            <a:fillRect/>
-          </a:stretch>
-        </p:blipFill>
-        <p:spPr>
-          <a:xfrm>
-            <a:off x="160789" y="3352800"/>
-            <a:ext cx="11772131" cy="1234440"/>
-          </a:xfrm>
-          <a:prstGeom prst="rect">
-            <a:avLst/>
-          </a:prstGeom>
-        </p:spPr>
-      </p:pic>
     </p:spTree>
     <p:extLst>
       <p:ext uri="{BB962C8B-B14F-4D97-AF65-F5344CB8AC3E}">
-        <p14:creationId xmlns:p14="http://schemas.microsoft.com/office/powerpoint/2010/main" val="347690136"/>
+        <p14:creationId xmlns:p14="http://schemas.microsoft.com/office/powerpoint/2010/main" val="1486962172"/>
       </p:ext>
     </p:extLst>
   </p:cSld>
@@ -4773,8 +4621,8 @@
         </p:blipFill>
         <p:spPr>
           <a:xfrm>
-            <a:off x="160789" y="2164080"/>
-            <a:ext cx="11905189" cy="2316480"/>
+            <a:off x="934739" y="705634"/>
+            <a:ext cx="10572653" cy="1829286"/>
           </a:xfrm>
           <a:prstGeom prst="rect">
             <a:avLst/>
@@ -4784,7 +4632,7 @@
     </p:spTree>
     <p:extLst>
       <p:ext uri="{BB962C8B-B14F-4D97-AF65-F5344CB8AC3E}">
-        <p14:creationId xmlns:p14="http://schemas.microsoft.com/office/powerpoint/2010/main" val="1486962172"/>
+        <p14:creationId xmlns:p14="http://schemas.microsoft.com/office/powerpoint/2010/main" val="311597504"/>
       </p:ext>
     </p:extLst>
   </p:cSld>
@@ -4841,6 +4689,62 @@
           </a:prstGeom>
         </p:spPr>
       </p:pic>
+      <p:sp>
+        <p:nvSpPr>
+          <p:cNvPr id="4" name="TextBox 3"/>
+          <p:cNvSpPr txBox="1"/>
+          <p:nvPr/>
+        </p:nvSpPr>
+        <p:spPr>
+          <a:xfrm>
+            <a:off x="1020668" y="3326914"/>
+            <a:ext cx="10400796" cy="1938992"/>
+          </a:xfrm>
+          <a:prstGeom prst="rect">
+            <a:avLst/>
+          </a:prstGeom>
+          <a:noFill/>
+        </p:spPr>
+        <p:txBody>
+          <a:bodyPr wrap="none" rtlCol="0">
+            <a:spAutoFit/>
+          </a:bodyPr>
+          <a:lstStyle/>
+          <a:p>
+            <a:pPr algn="ctr"/>
+            <a:r>
+              <a:rPr lang="en-US" sz="4000" dirty="0">
+                <a:latin typeface="Arial Black" charset="0"/>
+                <a:ea typeface="Arial Black" charset="0"/>
+                <a:cs typeface="Arial Black" charset="0"/>
+              </a:rPr>
+              <a:t>Now, </a:t>
+            </a:r>
+          </a:p>
+          <a:p>
+            <a:pPr algn="ctr"/>
+            <a:r>
+              <a:rPr lang="en-US" sz="4000" dirty="0">
+                <a:latin typeface="Arial Black" charset="0"/>
+                <a:ea typeface="Arial Black" charset="0"/>
+                <a:cs typeface="Arial Black" charset="0"/>
+              </a:rPr>
+              <a:t>we assume </a:t>
+            </a:r>
+          </a:p>
+          <a:p>
+            <a:pPr algn="ctr"/>
+            <a:r>
+              <a:rPr lang="en-US" sz="4000" dirty="0">
+                <a:latin typeface="Arial Black" charset="0"/>
+                <a:ea typeface="Arial Black" charset="0"/>
+                <a:cs typeface="Arial Black" charset="0"/>
+              </a:rPr>
+              <a:t>all three disks are indistinguishable.</a:t>
+            </a:r>
+          </a:p>
+        </p:txBody>
+      </p:sp>
       <p:pic>
         <p:nvPicPr>
           <p:cNvPr id="2" name="Picture 1"/>
@@ -4874,7 +4778,7 @@
     </p:spTree>
     <p:extLst>
       <p:ext uri="{BB962C8B-B14F-4D97-AF65-F5344CB8AC3E}">
-        <p14:creationId xmlns:p14="http://schemas.microsoft.com/office/powerpoint/2010/main" val="311597504"/>
+        <p14:creationId xmlns:p14="http://schemas.microsoft.com/office/powerpoint/2010/main" val="1701529225"/>
       </p:ext>
     </p:extLst>
   </p:cSld>
@@ -4931,86 +4835,9 @@
           </a:prstGeom>
         </p:spPr>
       </p:pic>
-      <p:sp>
-        <p:nvSpPr>
-          <p:cNvPr id="4" name="TextBox 3"/>
-          <p:cNvSpPr txBox="1"/>
-          <p:nvPr/>
-        </p:nvSpPr>
-        <p:spPr>
-          <a:xfrm>
-            <a:off x="1020668" y="3326914"/>
-            <a:ext cx="10400796" cy="1938992"/>
-          </a:xfrm>
-          <a:prstGeom prst="rect">
-            <a:avLst/>
-          </a:prstGeom>
-          <a:noFill/>
-        </p:spPr>
-        <p:txBody>
-          <a:bodyPr wrap="none" rtlCol="0">
-            <a:spAutoFit/>
-          </a:bodyPr>
-          <a:lstStyle/>
-          <a:p>
-            <a:pPr algn="ctr"/>
-            <a:r>
-              <a:rPr lang="en-US" sz="4000" dirty="0" smtClean="0">
-                <a:latin typeface="Arial Black" charset="0"/>
-                <a:ea typeface="Arial Black" charset="0"/>
-                <a:cs typeface="Arial Black" charset="0"/>
-              </a:rPr>
-              <a:t>Now, </a:t>
-            </a:r>
-          </a:p>
-          <a:p>
-            <a:pPr algn="ctr"/>
-            <a:r>
-              <a:rPr lang="en-US" sz="4000" dirty="0" smtClean="0">
-                <a:latin typeface="Arial Black" charset="0"/>
-                <a:ea typeface="Arial Black" charset="0"/>
-                <a:cs typeface="Arial Black" charset="0"/>
-              </a:rPr>
-              <a:t>we assume </a:t>
-            </a:r>
-          </a:p>
-          <a:p>
-            <a:pPr algn="ctr"/>
-            <a:r>
-              <a:rPr lang="en-US" sz="4000" dirty="0" smtClean="0">
-                <a:latin typeface="Arial Black" charset="0"/>
-                <a:ea typeface="Arial Black" charset="0"/>
-                <a:cs typeface="Arial Black" charset="0"/>
-              </a:rPr>
-              <a:t>all three </a:t>
-            </a:r>
-            <a:r>
-              <a:rPr lang="en-US" sz="4000" dirty="0">
-                <a:latin typeface="Arial Black" charset="0"/>
-                <a:ea typeface="Arial Black" charset="0"/>
-                <a:cs typeface="Arial Black" charset="0"/>
-              </a:rPr>
-              <a:t>disks are </a:t>
-            </a:r>
-            <a:r>
-              <a:rPr lang="en-US" sz="4000" dirty="0" smtClean="0">
-                <a:latin typeface="Arial Black" charset="0"/>
-                <a:ea typeface="Arial Black" charset="0"/>
-                <a:cs typeface="Arial Black" charset="0"/>
-              </a:rPr>
-              <a:t>indistinguishable.</a:t>
-            </a:r>
-            <a:endParaRPr lang="en-US" sz="4000" dirty="0">
-              <a:latin typeface="Arial Black" charset="0"/>
-              <a:ea typeface="Arial Black" charset="0"/>
-              <a:cs typeface="Arial Black" charset="0"/>
-            </a:endParaRPr>
-          </a:p>
-        </p:txBody>
-      </p:sp>
       <p:pic>
         <p:nvPicPr>
-          <p:cNvPr id="2" name="Picture 1"/>
+          <p:cNvPr id="4" name="Picture 3"/>
           <p:cNvPicPr>
             <a:picLocks noChangeAspect="1"/>
           </p:cNvPicPr>
@@ -5030,8 +4857,8 @@
         </p:blipFill>
         <p:spPr>
           <a:xfrm>
-            <a:off x="934739" y="705634"/>
-            <a:ext cx="10572653" cy="1829286"/>
+            <a:off x="3613995" y="1186180"/>
+            <a:ext cx="5882640" cy="1470660"/>
           </a:xfrm>
           <a:prstGeom prst="rect">
             <a:avLst/>
@@ -5041,7 +4868,7 @@
     </p:spTree>
     <p:extLst>
       <p:ext uri="{BB962C8B-B14F-4D97-AF65-F5344CB8AC3E}">
-        <p14:creationId xmlns:p14="http://schemas.microsoft.com/office/powerpoint/2010/main" val="1701529225"/>
+        <p14:creationId xmlns:p14="http://schemas.microsoft.com/office/powerpoint/2010/main" val="1652376806"/>
       </p:ext>
     </p:extLst>
   </p:cSld>
@@ -5128,10 +4955,40 @@
           </a:prstGeom>
         </p:spPr>
       </p:pic>
+      <p:pic>
+        <p:nvPicPr>
+          <p:cNvPr id="5" name="Picture 4"/>
+          <p:cNvPicPr>
+            <a:picLocks noChangeAspect="1"/>
+          </p:cNvPicPr>
+          <p:nvPr/>
+        </p:nvPicPr>
+        <p:blipFill>
+          <a:blip r:embed="rId4">
+            <a:extLst>
+              <a:ext uri="{28A0092B-C50C-407E-A947-70E740481C1C}">
+                <a14:useLocalDpi xmlns:a14="http://schemas.microsoft.com/office/drawing/2010/main" val="0"/>
+              </a:ext>
+            </a:extLst>
+          </a:blip>
+          <a:stretch>
+            <a:fillRect/>
+          </a:stretch>
+        </p:blipFill>
+        <p:spPr>
+          <a:xfrm>
+            <a:off x="1866429" y="3517900"/>
+            <a:ext cx="9377773" cy="1950720"/>
+          </a:xfrm>
+          <a:prstGeom prst="rect">
+            <a:avLst/>
+          </a:prstGeom>
+        </p:spPr>
+      </p:pic>
     </p:spTree>
     <p:extLst>
       <p:ext uri="{BB962C8B-B14F-4D97-AF65-F5344CB8AC3E}">
-        <p14:creationId xmlns:p14="http://schemas.microsoft.com/office/powerpoint/2010/main" val="1652376806"/>
+        <p14:creationId xmlns:p14="http://schemas.microsoft.com/office/powerpoint/2010/main" val="1539836655"/>
       </p:ext>
     </p:extLst>
   </p:cSld>
@@ -5141,7 +4998,116 @@
 </p:sld>
 </file>
 
-<file path=ppt/slides/slide25.xml><?xml version="1.0" encoding="utf-8"?>
+<file path=ppt/slides/slide3.xml><?xml version="1.0" encoding="utf-8"?>
+<p:sld xmlns:a="http://schemas.openxmlformats.org/drawingml/2006/main" xmlns:r="http://schemas.openxmlformats.org/officeDocument/2006/relationships" xmlns:p="http://schemas.openxmlformats.org/presentationml/2006/main">
+  <p:cSld>
+    <p:spTree>
+      <p:nvGrpSpPr>
+        <p:cNvPr id="1" name=""/>
+        <p:cNvGrpSpPr/>
+        <p:nvPr/>
+      </p:nvGrpSpPr>
+      <p:grpSpPr>
+        <a:xfrm>
+          <a:off x="0" y="0"/>
+          <a:ext cx="0" cy="0"/>
+          <a:chOff x="0" y="0"/>
+          <a:chExt cx="0" cy="0"/>
+        </a:xfrm>
+      </p:grpSpPr>
+      <p:sp>
+        <p:nvSpPr>
+          <p:cNvPr id="3" name="TextBox 2"/>
+          <p:cNvSpPr txBox="1"/>
+          <p:nvPr/>
+        </p:nvSpPr>
+        <p:spPr>
+          <a:xfrm>
+            <a:off x="10125635" y="5970494"/>
+            <a:ext cx="1951175" cy="707886"/>
+          </a:xfrm>
+          <a:prstGeom prst="rect">
+            <a:avLst/>
+          </a:prstGeom>
+          <a:noFill/>
+        </p:spPr>
+        <p:txBody>
+          <a:bodyPr wrap="none" rtlCol="0">
+            <a:spAutoFit/>
+          </a:bodyPr>
+          <a:lstStyle/>
+          <a:p>
+            <a:r>
+              <a:rPr lang="en-US" sz="4000" dirty="0">
+                <a:latin typeface="Arial Black" charset="0"/>
+                <a:ea typeface="Arial Black" charset="0"/>
+                <a:cs typeface="Arial Black" charset="0"/>
+              </a:rPr>
+              <a:t>[200</a:t>
+            </a:r>
+            <a:r>
+              <a:rPr lang="en-US" altLang="ko-KR" sz="4000" dirty="0">
+                <a:latin typeface="Arial Black" charset="0"/>
+                <a:ea typeface="Arial Black" charset="0"/>
+                <a:cs typeface="Arial Black" charset="0"/>
+              </a:rPr>
+              <a:t>2</a:t>
+            </a:r>
+            <a:r>
+              <a:rPr lang="en-US" sz="4000" dirty="0">
+                <a:latin typeface="Arial Black" charset="0"/>
+                <a:ea typeface="Arial Black" charset="0"/>
+                <a:cs typeface="Arial Black" charset="0"/>
+              </a:rPr>
+              <a:t>]</a:t>
+            </a:r>
+          </a:p>
+        </p:txBody>
+      </p:sp>
+      <p:pic>
+        <p:nvPicPr>
+          <p:cNvPr id="2" name="Picture 1"/>
+          <p:cNvPicPr>
+            <a:picLocks noChangeAspect="1"/>
+          </p:cNvPicPr>
+          <p:nvPr/>
+        </p:nvPicPr>
+        <p:blipFill>
+          <a:blip r:embed="rId2">
+            <a:extLst>
+              <a:ext uri="{28A0092B-C50C-407E-A947-70E740481C1C}">
+                <a14:useLocalDpi xmlns:a14="http://schemas.microsoft.com/office/drawing/2010/main" val="0"/>
+              </a:ext>
+            </a:extLst>
+          </a:blip>
+          <a:stretch>
+            <a:fillRect/>
+          </a:stretch>
+        </p:blipFill>
+        <p:spPr>
+          <a:xfrm>
+            <a:off x="881529" y="1158240"/>
+            <a:ext cx="10508727" cy="3855720"/>
+          </a:xfrm>
+          <a:prstGeom prst="rect">
+            <a:avLst/>
+          </a:prstGeom>
+        </p:spPr>
+      </p:pic>
+    </p:spTree>
+    <p:extLst>
+      <p:ext uri="{BB962C8B-B14F-4D97-AF65-F5344CB8AC3E}">
+        <p14:creationId xmlns:p14="http://schemas.microsoft.com/office/powerpoint/2010/main" val="370017141"/>
+      </p:ext>
+    </p:extLst>
+  </p:cSld>
+  <p:clrMapOvr>
+    <a:masterClrMapping/>
+  </p:clrMapOvr>
+</p:sld>
+</file>
+
+<file path=ppt/slides/slide4.xml><?xml version="1.0" encoding="utf-8"?>
 <p:sld xmlns:a="http://schemas.openxmlformats.org/drawingml/2006/main" xmlns:r="http://schemas.openxmlformats.org/officeDocument/2006/relationships" xmlns:p="http://schemas.openxmlformats.org/presentationml/2006/main">
   <p:cSld>
     <p:spTree>
@@ -5188,106 +5154,16 @@
           </a:prstGeom>
         </p:spPr>
       </p:pic>
-      <p:pic>
-        <p:nvPicPr>
-          <p:cNvPr id="4" name="Picture 3"/>
-          <p:cNvPicPr>
-            <a:picLocks noChangeAspect="1"/>
-          </p:cNvPicPr>
-          <p:nvPr/>
-        </p:nvPicPr>
-        <p:blipFill>
-          <a:blip r:embed="rId3">
-            <a:extLst>
-              <a:ext uri="{28A0092B-C50C-407E-A947-70E740481C1C}">
-                <a14:useLocalDpi xmlns:a14="http://schemas.microsoft.com/office/drawing/2010/main" val="0"/>
-              </a:ext>
-            </a:extLst>
-          </a:blip>
-          <a:stretch>
-            <a:fillRect/>
-          </a:stretch>
-        </p:blipFill>
-        <p:spPr>
-          <a:xfrm>
-            <a:off x="3613995" y="1186180"/>
-            <a:ext cx="5882640" cy="1470660"/>
-          </a:xfrm>
-          <a:prstGeom prst="rect">
-            <a:avLst/>
-          </a:prstGeom>
-        </p:spPr>
-      </p:pic>
-      <p:pic>
-        <p:nvPicPr>
-          <p:cNvPr id="5" name="Picture 4"/>
-          <p:cNvPicPr>
-            <a:picLocks noChangeAspect="1"/>
-          </p:cNvPicPr>
-          <p:nvPr/>
-        </p:nvPicPr>
-        <p:blipFill>
-          <a:blip r:embed="rId4">
-            <a:extLst>
-              <a:ext uri="{28A0092B-C50C-407E-A947-70E740481C1C}">
-                <a14:useLocalDpi xmlns:a14="http://schemas.microsoft.com/office/drawing/2010/main" val="0"/>
-              </a:ext>
-            </a:extLst>
-          </a:blip>
-          <a:stretch>
-            <a:fillRect/>
-          </a:stretch>
-        </p:blipFill>
-        <p:spPr>
-          <a:xfrm>
-            <a:off x="1866429" y="3517900"/>
-            <a:ext cx="9377773" cy="1950720"/>
-          </a:xfrm>
-          <a:prstGeom prst="rect">
-            <a:avLst/>
-          </a:prstGeom>
-        </p:spPr>
-      </p:pic>
-    </p:spTree>
-    <p:extLst>
-      <p:ext uri="{BB962C8B-B14F-4D97-AF65-F5344CB8AC3E}">
-        <p14:creationId xmlns:p14="http://schemas.microsoft.com/office/powerpoint/2010/main" val="1539836655"/>
-      </p:ext>
-    </p:extLst>
-  </p:cSld>
-  <p:clrMapOvr>
-    <a:masterClrMapping/>
-  </p:clrMapOvr>
-</p:sld>
-</file>
-
-<file path=ppt/slides/slide3.xml><?xml version="1.0" encoding="utf-8"?>
-<p:sld xmlns:a="http://schemas.openxmlformats.org/drawingml/2006/main" xmlns:r="http://schemas.openxmlformats.org/officeDocument/2006/relationships" xmlns:p="http://schemas.openxmlformats.org/presentationml/2006/main">
-  <p:cSld>
-    <p:spTree>
-      <p:nvGrpSpPr>
-        <p:cNvPr id="1" name=""/>
-        <p:cNvGrpSpPr/>
-        <p:nvPr/>
-      </p:nvGrpSpPr>
-      <p:grpSpPr>
-        <a:xfrm>
-          <a:off x="0" y="0"/>
-          <a:ext cx="0" cy="0"/>
-          <a:chOff x="0" y="0"/>
-          <a:chExt cx="0" cy="0"/>
-        </a:xfrm>
-      </p:grpSpPr>
-      <p:sp>
-        <p:nvSpPr>
-          <p:cNvPr id="3" name="TextBox 2"/>
+      <p:sp>
+        <p:nvSpPr>
+          <p:cNvPr id="4" name="TextBox 3"/>
           <p:cNvSpPr txBox="1"/>
           <p:nvPr/>
         </p:nvSpPr>
         <p:spPr>
           <a:xfrm>
-            <a:off x="10125635" y="5970494"/>
-            <a:ext cx="1951175" cy="707886"/>
+            <a:off x="2383212" y="1708497"/>
+            <a:ext cx="7919540" cy="2554545"/>
           </a:xfrm>
           <a:prstGeom prst="rect">
             <a:avLst/>
@@ -5300,186 +5176,55 @@
           </a:bodyPr>
           <a:lstStyle/>
           <a:p>
-            <a:r>
-              <a:rPr lang="en-US" sz="4000" dirty="0" smtClean="0">
+            <a:pPr algn="ctr"/>
+            <a:r>
+              <a:rPr lang="en-US" sz="4000" dirty="0">
                 <a:latin typeface="Arial Black" charset="0"/>
                 <a:ea typeface="Arial Black" charset="0"/>
                 <a:cs typeface="Arial Black" charset="0"/>
               </a:rPr>
-              <a:t>[200</a:t>
-            </a:r>
-            <a:r>
-              <a:rPr lang="en-US" altLang="ko-KR" sz="4000" dirty="0">
+              <a:t>First, </a:t>
+            </a:r>
+          </a:p>
+          <a:p>
+            <a:pPr algn="ctr"/>
+            <a:r>
+              <a:rPr lang="en-US" sz="4000" dirty="0">
                 <a:latin typeface="Arial Black" charset="0"/>
                 <a:ea typeface="Arial Black" charset="0"/>
                 <a:cs typeface="Arial Black" charset="0"/>
               </a:rPr>
-              <a:t>2</a:t>
-            </a:r>
-            <a:r>
-              <a:rPr lang="en-US" sz="4000" dirty="0" smtClean="0">
+              <a:t>we assume </a:t>
+            </a:r>
+          </a:p>
+          <a:p>
+            <a:pPr algn="ctr"/>
+            <a:r>
+              <a:rPr lang="en-US" sz="4000" dirty="0">
                 <a:latin typeface="Arial Black" charset="0"/>
                 <a:ea typeface="Arial Black" charset="0"/>
                 <a:cs typeface="Arial Black" charset="0"/>
               </a:rPr>
-              <a:t>]</a:t>
-            </a:r>
-            <a:endParaRPr lang="en-US" sz="4000" dirty="0">
-              <a:latin typeface="Arial Black" charset="0"/>
-              <a:ea typeface="Arial Black" charset="0"/>
-              <a:cs typeface="Arial Black" charset="0"/>
-            </a:endParaRPr>
-          </a:p>
-        </p:txBody>
-      </p:sp>
-      <p:pic>
-        <p:nvPicPr>
-          <p:cNvPr id="2" name="Picture 1"/>
-          <p:cNvPicPr>
-            <a:picLocks noChangeAspect="1"/>
-          </p:cNvPicPr>
-          <p:nvPr/>
-        </p:nvPicPr>
-        <p:blipFill>
-          <a:blip r:embed="rId2">
-            <a:extLst>
-              <a:ext uri="{28A0092B-C50C-407E-A947-70E740481C1C}">
-                <a14:useLocalDpi xmlns:a14="http://schemas.microsoft.com/office/drawing/2010/main" val="0"/>
-              </a:ext>
-            </a:extLst>
-          </a:blip>
-          <a:stretch>
-            <a:fillRect/>
-          </a:stretch>
-        </p:blipFill>
-        <p:spPr>
-          <a:xfrm>
-            <a:off x="881529" y="1158240"/>
-            <a:ext cx="10508727" cy="3855720"/>
-          </a:xfrm>
-          <a:prstGeom prst="rect">
-            <a:avLst/>
-          </a:prstGeom>
-        </p:spPr>
-      </p:pic>
-    </p:spTree>
-    <p:extLst>
-      <p:ext uri="{BB962C8B-B14F-4D97-AF65-F5344CB8AC3E}">
-        <p14:creationId xmlns:p14="http://schemas.microsoft.com/office/powerpoint/2010/main" val="370017141"/>
-      </p:ext>
-    </p:extLst>
-  </p:cSld>
-  <p:clrMapOvr>
-    <a:masterClrMapping/>
-  </p:clrMapOvr>
-</p:sld>
-</file>
-
-<file path=ppt/slides/slide4.xml><?xml version="1.0" encoding="utf-8"?>
-<p:sld xmlns:a="http://schemas.openxmlformats.org/drawingml/2006/main" xmlns:r="http://schemas.openxmlformats.org/officeDocument/2006/relationships" xmlns:p="http://schemas.openxmlformats.org/presentationml/2006/main">
-  <p:cSld>
-    <p:spTree>
-      <p:nvGrpSpPr>
-        <p:cNvPr id="1" name=""/>
-        <p:cNvGrpSpPr/>
-        <p:nvPr/>
-      </p:nvGrpSpPr>
-      <p:grpSpPr>
-        <a:xfrm>
-          <a:off x="0" y="0"/>
-          <a:ext cx="0" cy="0"/>
-          <a:chOff x="0" y="0"/>
-          <a:chExt cx="0" cy="0"/>
-        </a:xfrm>
-      </p:grpSpPr>
-      <p:sp>
-        <p:nvSpPr>
-          <p:cNvPr id="3" name="TextBox 2"/>
-          <p:cNvSpPr txBox="1"/>
-          <p:nvPr/>
-        </p:nvSpPr>
-        <p:spPr>
-          <a:xfrm>
-            <a:off x="10125635" y="5970494"/>
-            <a:ext cx="1951175" cy="707886"/>
-          </a:xfrm>
-          <a:prstGeom prst="rect">
-            <a:avLst/>
-          </a:prstGeom>
-          <a:noFill/>
-        </p:spPr>
-        <p:txBody>
-          <a:bodyPr wrap="none" rtlCol="0">
-            <a:spAutoFit/>
-          </a:bodyPr>
-          <a:lstStyle/>
-          <a:p>
-            <a:r>
-              <a:rPr lang="en-US" sz="4000" dirty="0" smtClean="0">
+              <a:t>all three disks are distinct, </a:t>
+            </a:r>
+          </a:p>
+          <a:p>
+            <a:pPr algn="ctr"/>
+            <a:r>
+              <a:rPr lang="en-US" sz="4000" dirty="0">
                 <a:latin typeface="Arial Black" charset="0"/>
                 <a:ea typeface="Arial Black" charset="0"/>
                 <a:cs typeface="Arial Black" charset="0"/>
               </a:rPr>
-              <a:t>[200</a:t>
-            </a:r>
-            <a:r>
-              <a:rPr lang="en-US" altLang="ko-KR" sz="4000" dirty="0">
-                <a:latin typeface="Arial Black" charset="0"/>
-                <a:ea typeface="Arial Black" charset="0"/>
-                <a:cs typeface="Arial Black" charset="0"/>
-              </a:rPr>
-              <a:t>2</a:t>
-            </a:r>
-            <a:r>
-              <a:rPr lang="en-US" sz="4000" dirty="0" smtClean="0">
-                <a:latin typeface="Arial Black" charset="0"/>
-                <a:ea typeface="Arial Black" charset="0"/>
-                <a:cs typeface="Arial Black" charset="0"/>
-              </a:rPr>
-              <a:t>]</a:t>
-            </a:r>
-            <a:endParaRPr lang="en-US" sz="4000" dirty="0">
-              <a:latin typeface="Arial Black" charset="0"/>
-              <a:ea typeface="Arial Black" charset="0"/>
-              <a:cs typeface="Arial Black" charset="0"/>
-            </a:endParaRPr>
-          </a:p>
-        </p:txBody>
-      </p:sp>
-      <p:pic>
-        <p:nvPicPr>
-          <p:cNvPr id="2" name="Picture 1"/>
-          <p:cNvPicPr>
-            <a:picLocks noChangeAspect="1"/>
-          </p:cNvPicPr>
-          <p:nvPr/>
-        </p:nvPicPr>
-        <p:blipFill>
-          <a:blip r:embed="rId2">
-            <a:extLst>
-              <a:ext uri="{28A0092B-C50C-407E-A947-70E740481C1C}">
-                <a14:useLocalDpi xmlns:a14="http://schemas.microsoft.com/office/drawing/2010/main" val="0"/>
-              </a:ext>
-            </a:extLst>
-          </a:blip>
-          <a:stretch>
-            <a:fillRect/>
-          </a:stretch>
-        </p:blipFill>
-        <p:spPr>
-          <a:xfrm>
-            <a:off x="881529" y="1158240"/>
-            <a:ext cx="10508727" cy="3855720"/>
-          </a:xfrm>
-          <a:prstGeom prst="rect">
-            <a:avLst/>
-          </a:prstGeom>
-        </p:spPr>
-      </p:pic>
+              <a:t>call them a, b, c.</a:t>
+            </a:r>
+          </a:p>
+        </p:txBody>
+      </p:sp>
     </p:spTree>
     <p:extLst>
       <p:ext uri="{BB962C8B-B14F-4D97-AF65-F5344CB8AC3E}">
-        <p14:creationId xmlns:p14="http://schemas.microsoft.com/office/powerpoint/2010/main" val="678696950"/>
+        <p14:creationId xmlns:p14="http://schemas.microsoft.com/office/powerpoint/2010/main" val="1174699640"/>
       </p:ext>
     </p:extLst>
   </p:cSld>
@@ -5536,82 +5281,40 @@
           </a:prstGeom>
         </p:spPr>
       </p:pic>
-      <p:sp>
-        <p:nvSpPr>
-          <p:cNvPr id="4" name="TextBox 3"/>
-          <p:cNvSpPr txBox="1"/>
+      <p:pic>
+        <p:nvPicPr>
+          <p:cNvPr id="2" name="Picture 1"/>
+          <p:cNvPicPr>
+            <a:picLocks noChangeAspect="1"/>
+          </p:cNvPicPr>
           <p:nvPr/>
-        </p:nvSpPr>
-        <p:spPr>
-          <a:xfrm>
-            <a:off x="2383212" y="1708497"/>
-            <a:ext cx="7919540" cy="2554545"/>
-          </a:xfrm>
-          <a:prstGeom prst="rect">
-            <a:avLst/>
-          </a:prstGeom>
-          <a:noFill/>
-        </p:spPr>
-        <p:txBody>
-          <a:bodyPr wrap="none" rtlCol="0">
-            <a:spAutoFit/>
-          </a:bodyPr>
-          <a:lstStyle/>
-          <a:p>
-            <a:pPr algn="ctr"/>
-            <a:r>
-              <a:rPr lang="en-US" sz="4000" dirty="0" smtClean="0">
-                <a:latin typeface="Arial Black" charset="0"/>
-                <a:ea typeface="Arial Black" charset="0"/>
-                <a:cs typeface="Arial Black" charset="0"/>
-              </a:rPr>
-              <a:t>First, </a:t>
-            </a:r>
-          </a:p>
-          <a:p>
-            <a:pPr algn="ctr"/>
-            <a:r>
-              <a:rPr lang="en-US" sz="4000" dirty="0" smtClean="0">
-                <a:latin typeface="Arial Black" charset="0"/>
-                <a:ea typeface="Arial Black" charset="0"/>
-                <a:cs typeface="Arial Black" charset="0"/>
-              </a:rPr>
-              <a:t>we assume </a:t>
-            </a:r>
-          </a:p>
-          <a:p>
-            <a:pPr algn="ctr"/>
-            <a:r>
-              <a:rPr lang="en-US" sz="4000" dirty="0" smtClean="0">
-                <a:latin typeface="Arial Black" charset="0"/>
-                <a:ea typeface="Arial Black" charset="0"/>
-                <a:cs typeface="Arial Black" charset="0"/>
-              </a:rPr>
-              <a:t>all three disks are distinct, </a:t>
-            </a:r>
-          </a:p>
-          <a:p>
-            <a:pPr algn="ctr"/>
-            <a:r>
-              <a:rPr lang="en-US" sz="4000" dirty="0" smtClean="0">
-                <a:latin typeface="Arial Black" charset="0"/>
-                <a:ea typeface="Arial Black" charset="0"/>
-                <a:cs typeface="Arial Black" charset="0"/>
-              </a:rPr>
-              <a:t>call them a, b, c.</a:t>
-            </a:r>
-            <a:endParaRPr lang="en-US" sz="4000" dirty="0">
-              <a:latin typeface="Arial Black" charset="0"/>
-              <a:ea typeface="Arial Black" charset="0"/>
-              <a:cs typeface="Arial Black" charset="0"/>
-            </a:endParaRPr>
-          </a:p>
-        </p:txBody>
-      </p:sp>
+        </p:nvPicPr>
+        <p:blipFill>
+          <a:blip r:embed="rId3">
+            <a:extLst>
+              <a:ext uri="{28A0092B-C50C-407E-A947-70E740481C1C}">
+                <a14:useLocalDpi xmlns:a14="http://schemas.microsoft.com/office/drawing/2010/main" val="0"/>
+              </a:ext>
+            </a:extLst>
+          </a:blip>
+          <a:stretch>
+            <a:fillRect/>
+          </a:stretch>
+        </p:blipFill>
+        <p:spPr>
+          <a:xfrm>
+            <a:off x="1071880" y="741680"/>
+            <a:ext cx="10052278" cy="1711960"/>
+          </a:xfrm>
+          <a:prstGeom prst="rect">
+            <a:avLst/>
+          </a:prstGeom>
+        </p:spPr>
+      </p:pic>
     </p:spTree>
     <p:extLst>
       <p:ext uri="{BB962C8B-B14F-4D97-AF65-F5344CB8AC3E}">
-        <p14:creationId xmlns:p14="http://schemas.microsoft.com/office/powerpoint/2010/main" val="1174699640"/>
+        <p14:creationId xmlns:p14="http://schemas.microsoft.com/office/powerpoint/2010/main" val="1367811011"/>
       </p:ext>
     </p:extLst>
   </p:cSld>
@@ -5698,10 +5401,40 @@
           </a:prstGeom>
         </p:spPr>
       </p:pic>
+      <p:pic>
+        <p:nvPicPr>
+          <p:cNvPr id="5" name="Picture 4"/>
+          <p:cNvPicPr>
+            <a:picLocks noChangeAspect="1"/>
+          </p:cNvPicPr>
+          <p:nvPr/>
+        </p:nvPicPr>
+        <p:blipFill>
+          <a:blip r:embed="rId4">
+            <a:extLst>
+              <a:ext uri="{28A0092B-C50C-407E-A947-70E740481C1C}">
+                <a14:useLocalDpi xmlns:a14="http://schemas.microsoft.com/office/drawing/2010/main" val="0"/>
+              </a:ext>
+            </a:extLst>
+          </a:blip>
+          <a:stretch>
+            <a:fillRect/>
+          </a:stretch>
+        </p:blipFill>
+        <p:spPr>
+          <a:xfrm>
+            <a:off x="1798319" y="3020064"/>
+            <a:ext cx="9325839" cy="1145536"/>
+          </a:xfrm>
+          <a:prstGeom prst="rect">
+            <a:avLst/>
+          </a:prstGeom>
+        </p:spPr>
+      </p:pic>
     </p:spTree>
     <p:extLst>
       <p:ext uri="{BB962C8B-B14F-4D97-AF65-F5344CB8AC3E}">
-        <p14:creationId xmlns:p14="http://schemas.microsoft.com/office/powerpoint/2010/main" val="1367811011"/>
+        <p14:creationId xmlns:p14="http://schemas.microsoft.com/office/powerpoint/2010/main" val="1255464000"/>
       </p:ext>
     </p:extLst>
   </p:cSld>
@@ -5818,10 +5551,40 @@
           </a:prstGeom>
         </p:spPr>
       </p:pic>
+      <p:pic>
+        <p:nvPicPr>
+          <p:cNvPr id="6" name="Picture 5"/>
+          <p:cNvPicPr>
+            <a:picLocks noChangeAspect="1"/>
+          </p:cNvPicPr>
+          <p:nvPr/>
+        </p:nvPicPr>
+        <p:blipFill>
+          <a:blip r:embed="rId5">
+            <a:extLst>
+              <a:ext uri="{28A0092B-C50C-407E-A947-70E740481C1C}">
+                <a14:useLocalDpi xmlns:a14="http://schemas.microsoft.com/office/drawing/2010/main" val="0"/>
+              </a:ext>
+            </a:extLst>
+          </a:blip>
+          <a:stretch>
+            <a:fillRect/>
+          </a:stretch>
+        </p:blipFill>
+        <p:spPr>
+          <a:xfrm>
+            <a:off x="1798318" y="4732024"/>
+            <a:ext cx="9263207" cy="1287776"/>
+          </a:xfrm>
+          <a:prstGeom prst="rect">
+            <a:avLst/>
+          </a:prstGeom>
+        </p:spPr>
+      </p:pic>
     </p:spTree>
     <p:extLst>
       <p:ext uri="{BB962C8B-B14F-4D97-AF65-F5344CB8AC3E}">
-        <p14:creationId xmlns:p14="http://schemas.microsoft.com/office/powerpoint/2010/main" val="1255464000"/>
+        <p14:creationId xmlns:p14="http://schemas.microsoft.com/office/powerpoint/2010/main" val="93337137"/>
       </p:ext>
     </p:extLst>
   </p:cSld>
@@ -5880,7 +5643,7 @@
       </p:pic>
       <p:pic>
         <p:nvPicPr>
-          <p:cNvPr id="2" name="Picture 1"/>
+          <p:cNvPr id="5" name="Picture 4"/>
           <p:cNvPicPr>
             <a:picLocks noChangeAspect="1"/>
           </p:cNvPicPr>
@@ -5900,8 +5663,8 @@
         </p:blipFill>
         <p:spPr>
           <a:xfrm>
-            <a:off x="1071880" y="741680"/>
-            <a:ext cx="10052278" cy="1711960"/>
+            <a:off x="190500" y="1832944"/>
+            <a:ext cx="11605260" cy="3369912"/>
           </a:xfrm>
           <a:prstGeom prst="rect">
             <a:avLst/>
@@ -5910,7 +5673,7 @@
       </p:pic>
       <p:pic>
         <p:nvPicPr>
-          <p:cNvPr id="5" name="Picture 4"/>
+          <p:cNvPr id="6" name="Picture 5"/>
           <p:cNvPicPr>
             <a:picLocks noChangeAspect="1"/>
           </p:cNvPicPr>
@@ -5930,38 +5693,8 @@
         </p:blipFill>
         <p:spPr>
           <a:xfrm>
-            <a:off x="1798319" y="3020064"/>
-            <a:ext cx="9325839" cy="1145536"/>
-          </a:xfrm>
-          <a:prstGeom prst="rect">
-            <a:avLst/>
-          </a:prstGeom>
-        </p:spPr>
-      </p:pic>
-      <p:pic>
-        <p:nvPicPr>
-          <p:cNvPr id="6" name="Picture 5"/>
-          <p:cNvPicPr>
-            <a:picLocks noChangeAspect="1"/>
-          </p:cNvPicPr>
-          <p:nvPr/>
-        </p:nvPicPr>
-        <p:blipFill>
-          <a:blip r:embed="rId5">
-            <a:extLst>
-              <a:ext uri="{28A0092B-C50C-407E-A947-70E740481C1C}">
-                <a14:useLocalDpi xmlns:a14="http://schemas.microsoft.com/office/drawing/2010/main" val="0"/>
-              </a:ext>
-            </a:extLst>
-          </a:blip>
-          <a:stretch>
-            <a:fillRect/>
-          </a:stretch>
-        </p:blipFill>
-        <p:spPr>
-          <a:xfrm>
-            <a:off x="1798318" y="4732024"/>
-            <a:ext cx="9263207" cy="1287776"/>
+            <a:off x="190500" y="2331720"/>
+            <a:ext cx="11605260" cy="3550920"/>
           </a:xfrm>
           <a:prstGeom prst="rect">
             <a:avLst/>
@@ -5971,7 +5704,7 @@
     </p:spTree>
     <p:extLst>
       <p:ext uri="{BB962C8B-B14F-4D97-AF65-F5344CB8AC3E}">
-        <p14:creationId xmlns:p14="http://schemas.microsoft.com/office/powerpoint/2010/main" val="93337137"/>
+        <p14:creationId xmlns:p14="http://schemas.microsoft.com/office/powerpoint/2010/main" val="922750677"/>
       </p:ext>
     </p:extLst>
   </p:cSld>
@@ -6080,8 +5813,8 @@
         </p:blipFill>
         <p:spPr>
           <a:xfrm>
-            <a:off x="190500" y="2331720"/>
-            <a:ext cx="11605260" cy="3550920"/>
+            <a:off x="190500" y="2956560"/>
+            <a:ext cx="11605260" cy="2926080"/>
           </a:xfrm>
           <a:prstGeom prst="rect">
             <a:avLst/>
@@ -6091,7 +5824,7 @@
     </p:spTree>
     <p:extLst>
       <p:ext uri="{BB962C8B-B14F-4D97-AF65-F5344CB8AC3E}">
-        <p14:creationId xmlns:p14="http://schemas.microsoft.com/office/powerpoint/2010/main" val="922750677"/>
+        <p14:creationId xmlns:p14="http://schemas.microsoft.com/office/powerpoint/2010/main" val="1580709152"/>
       </p:ext>
     </p:extLst>
   </p:cSld>
